--- a/doc/区块链.pptx
+++ b/doc/区块链.pptx
@@ -9542,7 +9542,7 @@
                 <a:latin typeface="微软雅黑" panose="020B0503020204020204" charset="-122"/>
                 <a:ea typeface="微软雅黑" panose="020B0503020204020204" charset="-122"/>
               </a:rPr>
-              <a:t> airzhangfish</a:t>
+              <a:t> airzhangfish </a:t>
             </a:r>
             <a:endParaRPr lang="en-US" altLang="zh-CN" dirty="0">
               <a:latin typeface="微软雅黑" panose="020B0503020204020204" charset="-122"/>
